--- a/PRESENTATION.pptx
+++ b/PRESENTATION.pptx
@@ -2,10 +2,10 @@
 <file path=ppt/presentation.xml><?xml version="1.0" encoding="utf-8"?>
 <p:presentation xmlns:a="http://schemas.openxmlformats.org/drawingml/2006/main" xmlns:r="http://schemas.openxmlformats.org/officeDocument/2006/relationships" xmlns:p="http://schemas.openxmlformats.org/presentationml/2006/main" saveSubsetFonts="1">
   <p:sldMasterIdLst>
-    <p:sldMasterId id="2147483786" r:id="rId1"/>
+    <p:sldMasterId id="2147483888" r:id="rId1"/>
   </p:sldMasterIdLst>
   <p:notesMasterIdLst>
-    <p:notesMasterId r:id="rId19"/>
+    <p:notesMasterId r:id="rId20"/>
   </p:notesMasterIdLst>
   <p:sldIdLst>
     <p:sldId id="256" r:id="rId2"/>
@@ -25,6 +25,7 @@
     <p:sldId id="270" r:id="rId16"/>
     <p:sldId id="271" r:id="rId17"/>
     <p:sldId id="272" r:id="rId18"/>
+    <p:sldId id="273" r:id="rId19"/>
   </p:sldIdLst>
   <p:sldSz cx="12192000" cy="6858000"/>
   <p:notesSz cx="6858000" cy="9144000"/>
@@ -123,6 +124,14 @@
       </a:defRPr>
     </a:lvl9pPr>
   </p:defaultTextStyle>
+  <p:extLst>
+    <p:ext uri="{EFAFB233-063F-42B5-8137-9DF3F51BA10A}">
+      <p15:sldGuideLst xmlns:p15="http://schemas.microsoft.com/office/powerpoint/2012/main"/>
+    </p:ext>
+    <p:ext uri="{2D200454-40CA-4A62-9FC3-DE9A4176ACB9}">
+      <p15:notesGuideLst xmlns:p15="http://schemas.microsoft.com/office/powerpoint/2012/main"/>
+    </p:ext>
+  </p:extLst>
 </p:presentation>
 </file>
 
@@ -208,7 +217,7 @@
           <a:p>
             <a:fld id="{8D107AF2-A985-4DCF-ABF0-F411FA520557}" type="datetimeFigureOut">
               <a:rPr lang="en-US" smtClean="0"/>
-              <a:t>7/16/2021</a:t>
+              <a:t>7/17/2021</a:t>
             </a:fld>
             <a:endParaRPr lang="en-US"/>
           </a:p>
@@ -941,7 +950,7 @@
               <a:rPr lang="en-US" smtClean="0"/>
               <a:t>Click to edit Master title style</a:t>
             </a:r>
-            <a:endParaRPr lang="en-US"/>
+            <a:endParaRPr lang="en-US" dirty="0"/>
           </a:p>
         </p:txBody>
       </p:sp>
@@ -1006,7 +1015,7 @@
               <a:rPr lang="en-US" smtClean="0"/>
               <a:t>Click to edit Master subtitle style</a:t>
             </a:r>
-            <a:endParaRPr lang="en-US"/>
+            <a:endParaRPr lang="en-US" dirty="0"/>
           </a:p>
         </p:txBody>
       </p:sp>
@@ -1027,7 +1036,7 @@
           <a:p>
             <a:fld id="{6E29FEBD-C4B9-4196-8AB0-F4A01B021FE3}" type="datetimeFigureOut">
               <a:rPr lang="en-US" smtClean="0"/>
-              <a:t>7/16/2021</a:t>
+              <a:t>7/17/2021</a:t>
             </a:fld>
             <a:endParaRPr lang="en-US"/>
           </a:p>
@@ -1078,7 +1087,7 @@
     </p:spTree>
     <p:extLst>
       <p:ext uri="{BB962C8B-B14F-4D97-AF65-F5344CB8AC3E}">
-        <p14:creationId xmlns:p14="http://schemas.microsoft.com/office/powerpoint/2010/main" val="2584745719"/>
+        <p14:creationId xmlns:p14="http://schemas.microsoft.com/office/powerpoint/2010/main" val="3515641425"/>
       </p:ext>
     </p:extLst>
   </p:cSld>
@@ -1124,7 +1133,7 @@
               <a:rPr lang="en-US" smtClean="0"/>
               <a:t>Click to edit Master title style</a:t>
             </a:r>
-            <a:endParaRPr lang="en-US"/>
+            <a:endParaRPr lang="en-US" dirty="0"/>
           </a:p>
         </p:txBody>
       </p:sp>
@@ -1176,7 +1185,7 @@
               <a:rPr lang="en-US" smtClean="0"/>
               <a:t>Fifth level</a:t>
             </a:r>
-            <a:endParaRPr lang="en-US"/>
+            <a:endParaRPr lang="en-US" dirty="0"/>
           </a:p>
         </p:txBody>
       </p:sp>
@@ -1197,7 +1206,7 @@
           <a:p>
             <a:fld id="{6E29FEBD-C4B9-4196-8AB0-F4A01B021FE3}" type="datetimeFigureOut">
               <a:rPr lang="en-US" smtClean="0"/>
-              <a:t>7/16/2021</a:t>
+              <a:t>7/17/2021</a:t>
             </a:fld>
             <a:endParaRPr lang="en-US"/>
           </a:p>
@@ -1248,7 +1257,7 @@
     </p:spTree>
     <p:extLst>
       <p:ext uri="{BB962C8B-B14F-4D97-AF65-F5344CB8AC3E}">
-        <p14:creationId xmlns:p14="http://schemas.microsoft.com/office/powerpoint/2010/main" val="2409366300"/>
+        <p14:creationId xmlns:p14="http://schemas.microsoft.com/office/powerpoint/2010/main" val="3171466006"/>
       </p:ext>
     </p:extLst>
   </p:cSld>
@@ -1299,7 +1308,7 @@
               <a:rPr lang="en-US" smtClean="0"/>
               <a:t>Click to edit Master title style</a:t>
             </a:r>
-            <a:endParaRPr lang="en-US"/>
+            <a:endParaRPr lang="en-US" dirty="0"/>
           </a:p>
         </p:txBody>
       </p:sp>
@@ -1356,7 +1365,7 @@
               <a:rPr lang="en-US" smtClean="0"/>
               <a:t>Fifth level</a:t>
             </a:r>
-            <a:endParaRPr lang="en-US"/>
+            <a:endParaRPr lang="en-US" dirty="0"/>
           </a:p>
         </p:txBody>
       </p:sp>
@@ -1377,7 +1386,7 @@
           <a:p>
             <a:fld id="{6E29FEBD-C4B9-4196-8AB0-F4A01B021FE3}" type="datetimeFigureOut">
               <a:rPr lang="en-US" smtClean="0"/>
-              <a:t>7/16/2021</a:t>
+              <a:t>7/17/2021</a:t>
             </a:fld>
             <a:endParaRPr lang="en-US"/>
           </a:p>
@@ -1428,7 +1437,7 @@
     </p:spTree>
     <p:extLst>
       <p:ext uri="{BB962C8B-B14F-4D97-AF65-F5344CB8AC3E}">
-        <p14:creationId xmlns:p14="http://schemas.microsoft.com/office/powerpoint/2010/main" val="3913470160"/>
+        <p14:creationId xmlns:p14="http://schemas.microsoft.com/office/powerpoint/2010/main" val="3216176198"/>
       </p:ext>
     </p:extLst>
   </p:cSld>
@@ -1474,7 +1483,7 @@
               <a:rPr lang="en-US" smtClean="0"/>
               <a:t>Click to edit Master title style</a:t>
             </a:r>
-            <a:endParaRPr lang="en-US"/>
+            <a:endParaRPr lang="en-US" dirty="0"/>
           </a:p>
         </p:txBody>
       </p:sp>
@@ -1526,7 +1535,7 @@
               <a:rPr lang="en-US" smtClean="0"/>
               <a:t>Fifth level</a:t>
             </a:r>
-            <a:endParaRPr lang="en-US"/>
+            <a:endParaRPr lang="en-US" dirty="0"/>
           </a:p>
         </p:txBody>
       </p:sp>
@@ -1547,7 +1556,7 @@
           <a:p>
             <a:fld id="{6E29FEBD-C4B9-4196-8AB0-F4A01B021FE3}" type="datetimeFigureOut">
               <a:rPr lang="en-US" smtClean="0"/>
-              <a:t>7/16/2021</a:t>
+              <a:t>7/17/2021</a:t>
             </a:fld>
             <a:endParaRPr lang="en-US"/>
           </a:p>
@@ -1598,7 +1607,7 @@
     </p:spTree>
     <p:extLst>
       <p:ext uri="{BB962C8B-B14F-4D97-AF65-F5344CB8AC3E}">
-        <p14:creationId xmlns:p14="http://schemas.microsoft.com/office/powerpoint/2010/main" val="131358401"/>
+        <p14:creationId xmlns:p14="http://schemas.microsoft.com/office/powerpoint/2010/main" val="3437470928"/>
       </p:ext>
     </p:extLst>
   </p:cSld>
@@ -1653,7 +1662,7 @@
               <a:rPr lang="en-US" smtClean="0"/>
               <a:t>Click to edit Master title style</a:t>
             </a:r>
-            <a:endParaRPr lang="en-US"/>
+            <a:endParaRPr lang="en-US" dirty="0"/>
           </a:p>
         </p:txBody>
       </p:sp>
@@ -1793,7 +1802,7 @@
           <a:p>
             <a:fld id="{6E29FEBD-C4B9-4196-8AB0-F4A01B021FE3}" type="datetimeFigureOut">
               <a:rPr lang="en-US" smtClean="0"/>
-              <a:t>7/16/2021</a:t>
+              <a:t>7/17/2021</a:t>
             </a:fld>
             <a:endParaRPr lang="en-US"/>
           </a:p>
@@ -1844,7 +1853,7 @@
     </p:spTree>
     <p:extLst>
       <p:ext uri="{BB962C8B-B14F-4D97-AF65-F5344CB8AC3E}">
-        <p14:creationId xmlns:p14="http://schemas.microsoft.com/office/powerpoint/2010/main" val="1133890989"/>
+        <p14:creationId xmlns:p14="http://schemas.microsoft.com/office/powerpoint/2010/main" val="4015614286"/>
       </p:ext>
     </p:extLst>
   </p:cSld>
@@ -1890,7 +1899,7 @@
               <a:rPr lang="en-US" smtClean="0"/>
               <a:t>Click to edit Master title style</a:t>
             </a:r>
-            <a:endParaRPr lang="en-US"/>
+            <a:endParaRPr lang="en-US" dirty="0"/>
           </a:p>
         </p:txBody>
       </p:sp>
@@ -1947,7 +1956,7 @@
               <a:rPr lang="en-US" smtClean="0"/>
               <a:t>Fifth level</a:t>
             </a:r>
-            <a:endParaRPr lang="en-US"/>
+            <a:endParaRPr lang="en-US" dirty="0"/>
           </a:p>
         </p:txBody>
       </p:sp>
@@ -2004,7 +2013,7 @@
               <a:rPr lang="en-US" smtClean="0"/>
               <a:t>Fifth level</a:t>
             </a:r>
-            <a:endParaRPr lang="en-US"/>
+            <a:endParaRPr lang="en-US" dirty="0"/>
           </a:p>
         </p:txBody>
       </p:sp>
@@ -2025,7 +2034,7 @@
           <a:p>
             <a:fld id="{6E29FEBD-C4B9-4196-8AB0-F4A01B021FE3}" type="datetimeFigureOut">
               <a:rPr lang="en-US" smtClean="0"/>
-              <a:t>7/16/2021</a:t>
+              <a:t>7/17/2021</a:t>
             </a:fld>
             <a:endParaRPr lang="en-US"/>
           </a:p>
@@ -2076,7 +2085,7 @@
     </p:spTree>
     <p:extLst>
       <p:ext uri="{BB962C8B-B14F-4D97-AF65-F5344CB8AC3E}">
-        <p14:creationId xmlns:p14="http://schemas.microsoft.com/office/powerpoint/2010/main" val="1748105151"/>
+        <p14:creationId xmlns:p14="http://schemas.microsoft.com/office/powerpoint/2010/main" val="401026356"/>
       </p:ext>
     </p:extLst>
   </p:cSld>
@@ -2127,7 +2136,7 @@
               <a:rPr lang="en-US" smtClean="0"/>
               <a:t>Click to edit Master title style</a:t>
             </a:r>
-            <a:endParaRPr lang="en-US"/>
+            <a:endParaRPr lang="en-US" dirty="0"/>
           </a:p>
         </p:txBody>
       </p:sp>
@@ -2249,7 +2258,7 @@
               <a:rPr lang="en-US" smtClean="0"/>
               <a:t>Fifth level</a:t>
             </a:r>
-            <a:endParaRPr lang="en-US"/>
+            <a:endParaRPr lang="en-US" dirty="0"/>
           </a:p>
         </p:txBody>
       </p:sp>
@@ -2371,7 +2380,7 @@
               <a:rPr lang="en-US" smtClean="0"/>
               <a:t>Fifth level</a:t>
             </a:r>
-            <a:endParaRPr lang="en-US"/>
+            <a:endParaRPr lang="en-US" dirty="0"/>
           </a:p>
         </p:txBody>
       </p:sp>
@@ -2392,7 +2401,7 @@
           <a:p>
             <a:fld id="{6E29FEBD-C4B9-4196-8AB0-F4A01B021FE3}" type="datetimeFigureOut">
               <a:rPr lang="en-US" smtClean="0"/>
-              <a:t>7/16/2021</a:t>
+              <a:t>7/17/2021</a:t>
             </a:fld>
             <a:endParaRPr lang="en-US"/>
           </a:p>
@@ -2443,7 +2452,7 @@
     </p:spTree>
     <p:extLst>
       <p:ext uri="{BB962C8B-B14F-4D97-AF65-F5344CB8AC3E}">
-        <p14:creationId xmlns:p14="http://schemas.microsoft.com/office/powerpoint/2010/main" val="1259798503"/>
+        <p14:creationId xmlns:p14="http://schemas.microsoft.com/office/powerpoint/2010/main" val="1464231026"/>
       </p:ext>
     </p:extLst>
   </p:cSld>
@@ -2489,7 +2498,7 @@
               <a:rPr lang="en-US" smtClean="0"/>
               <a:t>Click to edit Master title style</a:t>
             </a:r>
-            <a:endParaRPr lang="en-US"/>
+            <a:endParaRPr lang="en-US" dirty="0"/>
           </a:p>
         </p:txBody>
       </p:sp>
@@ -2510,7 +2519,7 @@
           <a:p>
             <a:fld id="{6E29FEBD-C4B9-4196-8AB0-F4A01B021FE3}" type="datetimeFigureOut">
               <a:rPr lang="en-US" smtClean="0"/>
-              <a:t>7/16/2021</a:t>
+              <a:t>7/17/2021</a:t>
             </a:fld>
             <a:endParaRPr lang="en-US"/>
           </a:p>
@@ -2561,7 +2570,7 @@
     </p:spTree>
     <p:extLst>
       <p:ext uri="{BB962C8B-B14F-4D97-AF65-F5344CB8AC3E}">
-        <p14:creationId xmlns:p14="http://schemas.microsoft.com/office/powerpoint/2010/main" val="4096240838"/>
+        <p14:creationId xmlns:p14="http://schemas.microsoft.com/office/powerpoint/2010/main" val="3136951630"/>
       </p:ext>
     </p:extLst>
   </p:cSld>
@@ -2605,7 +2614,7 @@
           <a:p>
             <a:fld id="{6E29FEBD-C4B9-4196-8AB0-F4A01B021FE3}" type="datetimeFigureOut">
               <a:rPr lang="en-US" smtClean="0"/>
-              <a:t>7/16/2021</a:t>
+              <a:t>7/17/2021</a:t>
             </a:fld>
             <a:endParaRPr lang="en-US"/>
           </a:p>
@@ -2656,7 +2665,7 @@
     </p:spTree>
     <p:extLst>
       <p:ext uri="{BB962C8B-B14F-4D97-AF65-F5344CB8AC3E}">
-        <p14:creationId xmlns:p14="http://schemas.microsoft.com/office/powerpoint/2010/main" val="2513329637"/>
+        <p14:creationId xmlns:p14="http://schemas.microsoft.com/office/powerpoint/2010/main" val="3643386632"/>
       </p:ext>
     </p:extLst>
   </p:cSld>
@@ -2711,7 +2720,7 @@
               <a:rPr lang="en-US" smtClean="0"/>
               <a:t>Click to edit Master title style</a:t>
             </a:r>
-            <a:endParaRPr lang="en-US"/>
+            <a:endParaRPr lang="en-US" dirty="0"/>
           </a:p>
         </p:txBody>
       </p:sp>
@@ -2796,7 +2805,7 @@
               <a:rPr lang="en-US" smtClean="0"/>
               <a:t>Fifth level</a:t>
             </a:r>
-            <a:endParaRPr lang="en-US"/>
+            <a:endParaRPr lang="en-US" dirty="0"/>
           </a:p>
         </p:txBody>
       </p:sp>
@@ -2882,7 +2891,7 @@
           <a:p>
             <a:fld id="{6E29FEBD-C4B9-4196-8AB0-F4A01B021FE3}" type="datetimeFigureOut">
               <a:rPr lang="en-US" smtClean="0"/>
-              <a:t>7/16/2021</a:t>
+              <a:t>7/17/2021</a:t>
             </a:fld>
             <a:endParaRPr lang="en-US"/>
           </a:p>
@@ -2933,7 +2942,7 @@
     </p:spTree>
     <p:extLst>
       <p:ext uri="{BB962C8B-B14F-4D97-AF65-F5344CB8AC3E}">
-        <p14:creationId xmlns:p14="http://schemas.microsoft.com/office/powerpoint/2010/main" val="3349594906"/>
+        <p14:creationId xmlns:p14="http://schemas.microsoft.com/office/powerpoint/2010/main" val="206928411"/>
       </p:ext>
     </p:extLst>
   </p:cSld>
@@ -2988,7 +2997,7 @@
               <a:rPr lang="en-US" smtClean="0"/>
               <a:t>Click to edit Master title style</a:t>
             </a:r>
-            <a:endParaRPr lang="en-US"/>
+            <a:endParaRPr lang="en-US" dirty="0"/>
           </a:p>
         </p:txBody>
       </p:sp>
@@ -2996,7 +3005,7 @@
         <p:nvSpPr>
           <p:cNvPr id="3" name="Picture Placeholder 2"/>
           <p:cNvSpPr>
-            <a:spLocks noGrp="1"/>
+            <a:spLocks noGrp="1" noChangeAspect="1"/>
           </p:cNvSpPr>
           <p:nvPr>
             <p:ph type="pic" idx="1"/>
@@ -3009,7 +3018,7 @@
           </a:xfrm>
         </p:spPr>
         <p:txBody>
-          <a:bodyPr/>
+          <a:bodyPr anchor="t"/>
           <a:lstStyle>
             <a:lvl1pPr marL="0" indent="0">
               <a:buNone/>
@@ -3049,7 +3058,11 @@
             </a:lvl9pPr>
           </a:lstStyle>
           <a:p>
-            <a:endParaRPr lang="en-US"/>
+            <a:r>
+              <a:rPr lang="en-US" smtClean="0"/>
+              <a:t>Click icon to add picture</a:t>
+            </a:r>
+            <a:endParaRPr lang="en-US" dirty="0"/>
           </a:p>
         </p:txBody>
       </p:sp>
@@ -3135,7 +3148,7 @@
           <a:p>
             <a:fld id="{6E29FEBD-C4B9-4196-8AB0-F4A01B021FE3}" type="datetimeFigureOut">
               <a:rPr lang="en-US" smtClean="0"/>
-              <a:t>7/16/2021</a:t>
+              <a:t>7/17/2021</a:t>
             </a:fld>
             <a:endParaRPr lang="en-US"/>
           </a:p>
@@ -3186,7 +3199,7 @@
     </p:spTree>
     <p:extLst>
       <p:ext uri="{BB962C8B-B14F-4D97-AF65-F5344CB8AC3E}">
-        <p14:creationId xmlns:p14="http://schemas.microsoft.com/office/powerpoint/2010/main" val="99437601"/>
+        <p14:creationId xmlns:p14="http://schemas.microsoft.com/office/powerpoint/2010/main" val="2774420969"/>
       </p:ext>
     </p:extLst>
   </p:cSld>
@@ -3247,7 +3260,7 @@
               <a:rPr lang="en-US" smtClean="0"/>
               <a:t>Click to edit Master title style</a:t>
             </a:r>
-            <a:endParaRPr lang="en-US"/>
+            <a:endParaRPr lang="en-US" dirty="0"/>
           </a:p>
         </p:txBody>
       </p:sp>
@@ -3309,7 +3322,7 @@
               <a:rPr lang="en-US" smtClean="0"/>
               <a:t>Fifth level</a:t>
             </a:r>
-            <a:endParaRPr lang="en-US"/>
+            <a:endParaRPr lang="en-US" dirty="0"/>
           </a:p>
         </p:txBody>
       </p:sp>
@@ -3348,7 +3361,7 @@
           <a:p>
             <a:fld id="{6E29FEBD-C4B9-4196-8AB0-F4A01B021FE3}" type="datetimeFigureOut">
               <a:rPr lang="en-US" smtClean="0"/>
-              <a:t>7/16/2021</a:t>
+              <a:t>7/17/2021</a:t>
             </a:fld>
             <a:endParaRPr lang="en-US"/>
           </a:p>
@@ -3435,23 +3448,23 @@
     </p:spTree>
     <p:extLst>
       <p:ext uri="{BB962C8B-B14F-4D97-AF65-F5344CB8AC3E}">
-        <p14:creationId xmlns:p14="http://schemas.microsoft.com/office/powerpoint/2010/main" val="1417914037"/>
+        <p14:creationId xmlns:p14="http://schemas.microsoft.com/office/powerpoint/2010/main" val="1697164620"/>
       </p:ext>
     </p:extLst>
   </p:cSld>
   <p:clrMap bg1="lt1" tx1="dk1" bg2="lt2" tx2="dk2" accent1="accent1" accent2="accent2" accent3="accent3" accent4="accent4" accent5="accent5" accent6="accent6" hlink="hlink" folHlink="folHlink"/>
   <p:sldLayoutIdLst>
-    <p:sldLayoutId id="2147483787" r:id="rId1"/>
-    <p:sldLayoutId id="2147483788" r:id="rId2"/>
-    <p:sldLayoutId id="2147483789" r:id="rId3"/>
-    <p:sldLayoutId id="2147483790" r:id="rId4"/>
-    <p:sldLayoutId id="2147483791" r:id="rId5"/>
-    <p:sldLayoutId id="2147483792" r:id="rId6"/>
-    <p:sldLayoutId id="2147483793" r:id="rId7"/>
-    <p:sldLayoutId id="2147483794" r:id="rId8"/>
-    <p:sldLayoutId id="2147483795" r:id="rId9"/>
-    <p:sldLayoutId id="2147483796" r:id="rId10"/>
-    <p:sldLayoutId id="2147483797" r:id="rId11"/>
+    <p:sldLayoutId id="2147483889" r:id="rId1"/>
+    <p:sldLayoutId id="2147483890" r:id="rId2"/>
+    <p:sldLayoutId id="2147483891" r:id="rId3"/>
+    <p:sldLayoutId id="2147483892" r:id="rId4"/>
+    <p:sldLayoutId id="2147483893" r:id="rId5"/>
+    <p:sldLayoutId id="2147483894" r:id="rId6"/>
+    <p:sldLayoutId id="2147483895" r:id="rId7"/>
+    <p:sldLayoutId id="2147483896" r:id="rId8"/>
+    <p:sldLayoutId id="2147483897" r:id="rId9"/>
+    <p:sldLayoutId id="2147483898" r:id="rId10"/>
+    <p:sldLayoutId id="2147483899" r:id="rId11"/>
   </p:sldLayoutIdLst>
   <p:txStyles>
     <p:titleStyle>
@@ -3763,7 +3776,12 @@
             <p:ph type="ctrTitle"/>
           </p:nvPr>
         </p:nvSpPr>
-        <p:spPr/>
+        <p:spPr>
+          <a:xfrm>
+            <a:off x="1524000" y="0"/>
+            <a:ext cx="9144000" cy="1696524"/>
+          </a:xfrm>
+        </p:spPr>
         <p:txBody>
           <a:bodyPr>
             <a:normAutofit/>
@@ -3771,11 +3789,71 @@
           <a:lstStyle/>
           <a:p>
             <a:r>
+              <a:rPr lang="en-US" sz="2000" b="1" dirty="0" smtClean="0">
+                <a:latin typeface="Times New Roman" panose="02020603050405020304" pitchFamily="18" charset="0"/>
+                <a:cs typeface="Times New Roman" panose="02020603050405020304" pitchFamily="18" charset="0"/>
+              </a:rPr>
+              <a:t>ĐẠI HỌC QUỐC GIA THÀNH PHỐ HỒ CHÍ MINH</a:t>
+            </a:r>
+            <a:br>
+              <a:rPr lang="en-US" sz="2000" b="1" dirty="0" smtClean="0">
+                <a:latin typeface="Times New Roman" panose="02020603050405020304" pitchFamily="18" charset="0"/>
+                <a:cs typeface="Times New Roman" panose="02020603050405020304" pitchFamily="18" charset="0"/>
+              </a:rPr>
+            </a:br>
+            <a:r>
+              <a:rPr lang="en-US" sz="2000" b="1" dirty="0" smtClean="0">
+                <a:latin typeface="Times New Roman" panose="02020603050405020304" pitchFamily="18" charset="0"/>
+                <a:cs typeface="Times New Roman" panose="02020603050405020304" pitchFamily="18" charset="0"/>
+              </a:rPr>
+              <a:t>TRƯỜNG ĐẠI HỌC BÁCH KHOA</a:t>
+            </a:r>
+            <a:br>
+              <a:rPr lang="en-US" sz="2000" b="1" dirty="0" smtClean="0">
+                <a:latin typeface="Times New Roman" panose="02020603050405020304" pitchFamily="18" charset="0"/>
+                <a:cs typeface="Times New Roman" panose="02020603050405020304" pitchFamily="18" charset="0"/>
+              </a:rPr>
+            </a:br>
+            <a:r>
+              <a:rPr lang="en-US" sz="2000" b="1" dirty="0" err="1" smtClean="0">
+                <a:latin typeface="Times New Roman" panose="02020603050405020304" pitchFamily="18" charset="0"/>
+                <a:cs typeface="Times New Roman" panose="02020603050405020304" pitchFamily="18" charset="0"/>
+              </a:rPr>
+              <a:t>KHOA</a:t>
+            </a:r>
+            <a:r>
+              <a:rPr lang="en-US" sz="2000" b="1" dirty="0" smtClean="0">
+                <a:latin typeface="Times New Roman" panose="02020603050405020304" pitchFamily="18" charset="0"/>
+                <a:cs typeface="Times New Roman" panose="02020603050405020304" pitchFamily="18" charset="0"/>
+              </a:rPr>
+              <a:t> ĐIỆN - ĐIỆN TỬ</a:t>
+            </a:r>
+            <a:br>
+              <a:rPr lang="en-US" sz="2000" b="1" dirty="0" smtClean="0">
+                <a:latin typeface="Times New Roman" panose="02020603050405020304" pitchFamily="18" charset="0"/>
+                <a:cs typeface="Times New Roman" panose="02020603050405020304" pitchFamily="18" charset="0"/>
+              </a:rPr>
+            </a:br>
+            <a:r>
+              <a:rPr lang="en-US" sz="2000" b="1" dirty="0" smtClean="0">
+                <a:latin typeface="Times New Roman" panose="02020603050405020304" pitchFamily="18" charset="0"/>
+                <a:cs typeface="Times New Roman" panose="02020603050405020304" pitchFamily="18" charset="0"/>
+              </a:rPr>
+              <a:t>BỘ MÔN VIỄN </a:t>
+            </a:r>
+            <a:r>
+              <a:rPr lang="en-US" sz="2000" b="1" dirty="0" smtClean="0">
+                <a:latin typeface="Times New Roman" panose="02020603050405020304" pitchFamily="18" charset="0"/>
+                <a:cs typeface="Times New Roman" panose="02020603050405020304" pitchFamily="18" charset="0"/>
+              </a:rPr>
+              <a:t>THÔNG</a:t>
+            </a:r>
+            <a:r>
               <a:rPr lang="en-US" sz="2000" dirty="0" smtClean="0">
                 <a:latin typeface="Times New Roman" panose="02020603050405020304" pitchFamily="18" charset="0"/>
                 <a:cs typeface="Times New Roman" panose="02020603050405020304" pitchFamily="18" charset="0"/>
               </a:rPr>
-              <a:t>ĐẠI HỌC QUỐC GIA THÀNH PHỐ HỒ CHÍ MINH</a:t>
+              <a:t/>
             </a:r>
             <a:br>
               <a:rPr lang="en-US" sz="2000" dirty="0" smtClean="0">
@@ -3784,44 +3862,25 @@
               </a:rPr>
             </a:br>
             <a:r>
-              <a:rPr lang="en-US" sz="2000" dirty="0" smtClean="0">
-                <a:latin typeface="Times New Roman" panose="02020603050405020304" pitchFamily="18" charset="0"/>
-                <a:cs typeface="Times New Roman" panose="02020603050405020304" pitchFamily="18" charset="0"/>
-              </a:rPr>
-              <a:t>TRƯỜNG ĐẠI HỌC BÁCH KHOA</a:t>
-            </a:r>
-            <a:br>
-              <a:rPr lang="en-US" sz="2000" dirty="0" smtClean="0">
-                <a:latin typeface="Times New Roman" panose="02020603050405020304" pitchFamily="18" charset="0"/>
-                <a:cs typeface="Times New Roman" panose="02020603050405020304" pitchFamily="18" charset="0"/>
-              </a:rPr>
-            </a:br>
-            <a:r>
-              <a:rPr lang="en-US" sz="2000" dirty="0" err="1" smtClean="0">
-                <a:latin typeface="Times New Roman" panose="02020603050405020304" pitchFamily="18" charset="0"/>
-                <a:cs typeface="Times New Roman" panose="02020603050405020304" pitchFamily="18" charset="0"/>
-              </a:rPr>
-              <a:t>KHOA</a:t>
-            </a:r>
-            <a:r>
-              <a:rPr lang="en-US" sz="2000" dirty="0" smtClean="0">
-                <a:latin typeface="Times New Roman" panose="02020603050405020304" pitchFamily="18" charset="0"/>
-                <a:cs typeface="Times New Roman" panose="02020603050405020304" pitchFamily="18" charset="0"/>
-              </a:rPr>
-              <a:t> ĐIỆN - ĐIỆN TỬ</a:t>
-            </a:r>
-            <a:br>
-              <a:rPr lang="en-US" sz="2000" dirty="0" smtClean="0">
-                <a:latin typeface="Times New Roman" panose="02020603050405020304" pitchFamily="18" charset="0"/>
-                <a:cs typeface="Times New Roman" panose="02020603050405020304" pitchFamily="18" charset="0"/>
-              </a:rPr>
-            </a:br>
-            <a:r>
-              <a:rPr lang="en-US" sz="2000" dirty="0" smtClean="0">
-                <a:latin typeface="Times New Roman" panose="02020603050405020304" pitchFamily="18" charset="0"/>
-                <a:cs typeface="Times New Roman" panose="02020603050405020304" pitchFamily="18" charset="0"/>
-              </a:rPr>
-              <a:t>BỘ MÔN VIỄN THÔNG</a:t>
+              <a:rPr lang="en-US" sz="2000" dirty="0">
+                <a:latin typeface="Times New Roman" panose="02020603050405020304" pitchFamily="18" charset="0"/>
+                <a:cs typeface="Times New Roman" panose="02020603050405020304" pitchFamily="18" charset="0"/>
+              </a:rPr>
+              <a:t>---------</a:t>
+            </a:r>
+            <a:r>
+              <a:rPr lang="en-US" sz="2000" dirty="0" err="1">
+                <a:latin typeface="Times New Roman" panose="02020603050405020304" pitchFamily="18" charset="0"/>
+                <a:cs typeface="Times New Roman" panose="02020603050405020304" pitchFamily="18" charset="0"/>
+              </a:rPr>
+              <a:t>oOo</a:t>
+            </a:r>
+            <a:r>
+              <a:rPr lang="en-US" sz="2000" dirty="0">
+                <a:latin typeface="Times New Roman" panose="02020603050405020304" pitchFamily="18" charset="0"/>
+                <a:cs typeface="Times New Roman" panose="02020603050405020304" pitchFamily="18" charset="0"/>
+              </a:rPr>
+              <a:t> ---------</a:t>
             </a:r>
             <a:endParaRPr lang="en-US" sz="2000" dirty="0">
               <a:latin typeface="Times New Roman" panose="02020603050405020304" pitchFamily="18" charset="0"/>
@@ -3840,28 +3899,84 @@
             <p:ph type="subTitle" idx="1"/>
           </p:nvPr>
         </p:nvSpPr>
-        <p:spPr/>
+        <p:spPr>
+          <a:xfrm>
+            <a:off x="1524000" y="4139920"/>
+            <a:ext cx="9144000" cy="2973574"/>
+          </a:xfrm>
+        </p:spPr>
         <p:txBody>
           <a:bodyPr>
-            <a:normAutofit/>
+            <a:normAutofit fontScale="92500" lnSpcReduction="10000"/>
           </a:bodyPr>
           <a:lstStyle/>
           <a:p>
             <a:r>
+              <a:rPr lang="en-US" b="1" dirty="0" smtClean="0">
+                <a:latin typeface="Times New Roman" panose="02020603050405020304" pitchFamily="18" charset="0"/>
+                <a:cs typeface="Times New Roman" panose="02020603050405020304" pitchFamily="18" charset="0"/>
+              </a:rPr>
+              <a:t>ĐỀ CƯƠNG LUẬN VĂN</a:t>
+            </a:r>
+          </a:p>
+          <a:p>
+            <a:r>
+              <a:rPr lang="en-US" sz="2000" b="1" dirty="0" err="1" smtClean="0">
+                <a:latin typeface="Times New Roman" panose="02020603050405020304" pitchFamily="18" charset="0"/>
+                <a:cs typeface="Times New Roman" panose="02020603050405020304" pitchFamily="18" charset="0"/>
+              </a:rPr>
+              <a:t>Đề</a:t>
+            </a:r>
+            <a:r>
+              <a:rPr lang="en-US" sz="2000" b="1" dirty="0" smtClean="0">
+                <a:latin typeface="Times New Roman" panose="02020603050405020304" pitchFamily="18" charset="0"/>
+                <a:cs typeface="Times New Roman" panose="02020603050405020304" pitchFamily="18" charset="0"/>
+              </a:rPr>
+              <a:t> </a:t>
+            </a:r>
+            <a:r>
+              <a:rPr lang="en-US" sz="2000" b="1" dirty="0" err="1" smtClean="0">
+                <a:latin typeface="Times New Roman" panose="02020603050405020304" pitchFamily="18" charset="0"/>
+                <a:cs typeface="Times New Roman" panose="02020603050405020304" pitchFamily="18" charset="0"/>
+              </a:rPr>
+              <a:t>tài</a:t>
+            </a:r>
+            <a:r>
+              <a:rPr lang="en-US" sz="2000" b="1" dirty="0" smtClean="0">
+                <a:latin typeface="Times New Roman" panose="02020603050405020304" pitchFamily="18" charset="0"/>
+                <a:cs typeface="Times New Roman" panose="02020603050405020304" pitchFamily="18" charset="0"/>
+              </a:rPr>
+              <a:t>: </a:t>
+            </a:r>
+            <a:r>
               <a:rPr lang="en-US" sz="2000" dirty="0" smtClean="0">
                 <a:latin typeface="Times New Roman" panose="02020603050405020304" pitchFamily="18" charset="0"/>
                 <a:cs typeface="Times New Roman" panose="02020603050405020304" pitchFamily="18" charset="0"/>
               </a:rPr>
-              <a:t>ĐỀ CƯƠNG LUẬN VĂN</a:t>
-            </a:r>
-          </a:p>
-          <a:p>
+              <a:t>ỨNG DỤNG CÔNG NGHỆ LORA  VÀ MQTT GIÁM SÁT VƯỜN THANH LONG VÀ AO </a:t>
+            </a:r>
+            <a:r>
+              <a:rPr lang="en-US" sz="2000" dirty="0" smtClean="0">
+                <a:latin typeface="Times New Roman" panose="02020603050405020304" pitchFamily="18" charset="0"/>
+                <a:cs typeface="Times New Roman" panose="02020603050405020304" pitchFamily="18" charset="0"/>
+              </a:rPr>
+              <a:t>TÔM</a:t>
+            </a:r>
+          </a:p>
+          <a:p>
+            <a:endParaRPr lang="en-US" sz="2000" dirty="0" smtClean="0">
+              <a:latin typeface="Times New Roman" panose="02020603050405020304" pitchFamily="18" charset="0"/>
+              <a:cs typeface="Times New Roman" panose="02020603050405020304" pitchFamily="18" charset="0"/>
+            </a:endParaRPr>
+          </a:p>
+          <a:p>
+            <a:pPr algn="l"/>
             <a:r>
               <a:rPr lang="en-US" sz="2000" dirty="0" err="1" smtClean="0">
                 <a:latin typeface="Times New Roman" panose="02020603050405020304" pitchFamily="18" charset="0"/>
                 <a:cs typeface="Times New Roman" panose="02020603050405020304" pitchFamily="18" charset="0"/>
               </a:rPr>
-              <a:t>Đề</a:t>
+              <a:t>Sinh</a:t>
             </a:r>
             <a:r>
               <a:rPr lang="en-US" sz="2000" dirty="0" smtClean="0">
@@ -3875,59 +3990,137 @@
                 <a:latin typeface="Times New Roman" panose="02020603050405020304" pitchFamily="18" charset="0"/>
                 <a:cs typeface="Times New Roman" panose="02020603050405020304" pitchFamily="18" charset="0"/>
               </a:rPr>
-              <a:t>tài</a:t>
+              <a:t>viên</a:t>
             </a:r>
             <a:r>
               <a:rPr lang="en-US" sz="2000" dirty="0" smtClean="0">
                 <a:latin typeface="Times New Roman" panose="02020603050405020304" pitchFamily="18" charset="0"/>
                 <a:cs typeface="Times New Roman" panose="02020603050405020304" pitchFamily="18" charset="0"/>
               </a:rPr>
-              <a:t>: ỨNG DỤNG CÔNG NGHỆ LORA  VÀ MQTT GIÁM SÁT VƯỜN THANH LONG VÀ AO TÔM</a:t>
-            </a:r>
-          </a:p>
-          <a:p>
+              <a:t> </a:t>
+            </a:r>
+            <a:r>
+              <a:rPr lang="en-US" sz="2000" dirty="0" err="1" smtClean="0">
+                <a:latin typeface="Times New Roman" panose="02020603050405020304" pitchFamily="18" charset="0"/>
+                <a:cs typeface="Times New Roman" panose="02020603050405020304" pitchFamily="18" charset="0"/>
+              </a:rPr>
+              <a:t>thực</a:t>
+            </a:r>
             <a:r>
               <a:rPr lang="en-US" sz="2000" dirty="0" smtClean="0">
                 <a:latin typeface="Times New Roman" panose="02020603050405020304" pitchFamily="18" charset="0"/>
                 <a:cs typeface="Times New Roman" panose="02020603050405020304" pitchFamily="18" charset="0"/>
               </a:rPr>
-              <a:t>TP.HCM, </a:t>
+              <a:t> </a:t>
             </a:r>
             <a:r>
               <a:rPr lang="en-US" sz="2000" dirty="0" err="1" smtClean="0">
                 <a:latin typeface="Times New Roman" panose="02020603050405020304" pitchFamily="18" charset="0"/>
                 <a:cs typeface="Times New Roman" panose="02020603050405020304" pitchFamily="18" charset="0"/>
               </a:rPr>
-              <a:t>tháng</a:t>
+              <a:t>hiện</a:t>
             </a:r>
             <a:r>
               <a:rPr lang="en-US" sz="2000" dirty="0" smtClean="0">
                 <a:latin typeface="Times New Roman" panose="02020603050405020304" pitchFamily="18" charset="0"/>
                 <a:cs typeface="Times New Roman" panose="02020603050405020304" pitchFamily="18" charset="0"/>
               </a:rPr>
-              <a:t> 8 </a:t>
-            </a:r>
-            <a:r>
-              <a:rPr lang="en-US" sz="2000" dirty="0" err="1" smtClean="0">
-                <a:latin typeface="Times New Roman" panose="02020603050405020304" pitchFamily="18" charset="0"/>
-                <a:cs typeface="Times New Roman" panose="02020603050405020304" pitchFamily="18" charset="0"/>
-              </a:rPr>
-              <a:t>năm</a:t>
-            </a:r>
-            <a:r>
-              <a:rPr lang="en-US" sz="2000" dirty="0" smtClean="0">
-                <a:latin typeface="Times New Roman" panose="02020603050405020304" pitchFamily="18" charset="0"/>
-                <a:cs typeface="Times New Roman" panose="02020603050405020304" pitchFamily="18" charset="0"/>
-              </a:rPr>
-              <a:t> 2021</a:t>
+              <a:t>: LÊ ĐẠT - 1714121</a:t>
             </a:r>
             <a:endParaRPr lang="en-US" sz="2000" dirty="0">
               <a:latin typeface="Times New Roman" panose="02020603050405020304" pitchFamily="18" charset="0"/>
               <a:cs typeface="Times New Roman" panose="02020603050405020304" pitchFamily="18" charset="0"/>
             </a:endParaRPr>
           </a:p>
-        </p:txBody>
-      </p:sp>
+          <a:p>
+            <a:pPr algn="l"/>
+            <a:r>
+              <a:rPr lang="en-US" sz="2000" dirty="0" smtClean="0">
+                <a:latin typeface="Times New Roman" panose="02020603050405020304" pitchFamily="18" charset="0"/>
+                <a:cs typeface="Times New Roman" panose="02020603050405020304" pitchFamily="18" charset="0"/>
+              </a:rPr>
+              <a:t>GVHD: T.S VÕ QUẾ SƠN</a:t>
+            </a:r>
+          </a:p>
+          <a:p>
+            <a:endParaRPr lang="en-US" sz="2000" dirty="0" smtClean="0">
+              <a:latin typeface="Times New Roman" panose="02020603050405020304" pitchFamily="18" charset="0"/>
+              <a:cs typeface="Times New Roman" panose="02020603050405020304" pitchFamily="18" charset="0"/>
+            </a:endParaRPr>
+          </a:p>
+          <a:p>
+            <a:r>
+              <a:rPr lang="en-US" sz="2000" dirty="0" smtClean="0">
+                <a:latin typeface="Times New Roman" panose="02020603050405020304" pitchFamily="18" charset="0"/>
+                <a:cs typeface="Times New Roman" panose="02020603050405020304" pitchFamily="18" charset="0"/>
+              </a:rPr>
+              <a:t>TP.HCM, </a:t>
+            </a:r>
+            <a:r>
+              <a:rPr lang="en-US" sz="2000" dirty="0" err="1" smtClean="0">
+                <a:latin typeface="Times New Roman" panose="02020603050405020304" pitchFamily="18" charset="0"/>
+                <a:cs typeface="Times New Roman" panose="02020603050405020304" pitchFamily="18" charset="0"/>
+              </a:rPr>
+              <a:t>tháng</a:t>
+            </a:r>
+            <a:r>
+              <a:rPr lang="en-US" sz="2000" dirty="0" smtClean="0">
+                <a:latin typeface="Times New Roman" panose="02020603050405020304" pitchFamily="18" charset="0"/>
+                <a:cs typeface="Times New Roman" panose="02020603050405020304" pitchFamily="18" charset="0"/>
+              </a:rPr>
+              <a:t> 8 </a:t>
+            </a:r>
+            <a:r>
+              <a:rPr lang="en-US" sz="2000" dirty="0" err="1" smtClean="0">
+                <a:latin typeface="Times New Roman" panose="02020603050405020304" pitchFamily="18" charset="0"/>
+                <a:cs typeface="Times New Roman" panose="02020603050405020304" pitchFamily="18" charset="0"/>
+              </a:rPr>
+              <a:t>năm</a:t>
+            </a:r>
+            <a:r>
+              <a:rPr lang="en-US" sz="2000" dirty="0" smtClean="0">
+                <a:latin typeface="Times New Roman" panose="02020603050405020304" pitchFamily="18" charset="0"/>
+                <a:cs typeface="Times New Roman" panose="02020603050405020304" pitchFamily="18" charset="0"/>
+              </a:rPr>
+              <a:t> 2021</a:t>
+            </a:r>
+            <a:endParaRPr lang="en-US" sz="2000" dirty="0">
+              <a:latin typeface="Times New Roman" panose="02020603050405020304" pitchFamily="18" charset="0"/>
+              <a:cs typeface="Times New Roman" panose="02020603050405020304" pitchFamily="18" charset="0"/>
+            </a:endParaRPr>
+          </a:p>
+        </p:txBody>
+      </p:sp>
+      <p:pic>
+        <p:nvPicPr>
+          <p:cNvPr id="4" name="Picture 3"/>
+          <p:cNvPicPr>
+            <a:picLocks noChangeAspect="1"/>
+          </p:cNvPicPr>
+          <p:nvPr/>
+        </p:nvPicPr>
+        <p:blipFill>
+          <a:blip r:embed="rId3">
+            <a:extLst>
+              <a:ext uri="{28A0092B-C50C-407E-A947-70E740481C1C}">
+                <a14:useLocalDpi xmlns:a14="http://schemas.microsoft.com/office/drawing/2010/main" val="0"/>
+              </a:ext>
+            </a:extLst>
+          </a:blip>
+          <a:stretch>
+            <a:fillRect/>
+          </a:stretch>
+        </p:blipFill>
+        <p:spPr>
+          <a:xfrm>
+            <a:off x="4329462" y="1151685"/>
+            <a:ext cx="3533075" cy="3533075"/>
+          </a:xfrm>
+          <a:prstGeom prst="rect">
+            <a:avLst/>
+          </a:prstGeom>
+        </p:spPr>
+      </p:pic>
     </p:spTree>
     <p:extLst>
       <p:ext uri="{BB962C8B-B14F-4D97-AF65-F5344CB8AC3E}">
@@ -3996,6 +4189,36 @@
           </a:p>
         </p:txBody>
       </p:sp>
+      <p:pic>
+        <p:nvPicPr>
+          <p:cNvPr id="2" name="Picture 1"/>
+          <p:cNvPicPr>
+            <a:picLocks noChangeAspect="1"/>
+          </p:cNvPicPr>
+          <p:nvPr/>
+        </p:nvPicPr>
+        <p:blipFill>
+          <a:blip r:embed="rId2">
+            <a:extLst>
+              <a:ext uri="{28A0092B-C50C-407E-A947-70E740481C1C}">
+                <a14:useLocalDpi xmlns:a14="http://schemas.microsoft.com/office/drawing/2010/main" val="0"/>
+              </a:ext>
+            </a:extLst>
+          </a:blip>
+          <a:stretch>
+            <a:fillRect/>
+          </a:stretch>
+        </p:blipFill>
+        <p:spPr>
+          <a:xfrm>
+            <a:off x="2876550" y="1690688"/>
+            <a:ext cx="6438900" cy="4314063"/>
+          </a:xfrm>
+          <a:prstGeom prst="rect">
+            <a:avLst/>
+          </a:prstGeom>
+        </p:spPr>
+      </p:pic>
     </p:spTree>
     <p:extLst>
       <p:ext uri="{BB962C8B-B14F-4D97-AF65-F5344CB8AC3E}">
@@ -4064,6 +4287,36 @@
           </a:p>
         </p:txBody>
       </p:sp>
+      <p:pic>
+        <p:nvPicPr>
+          <p:cNvPr id="2" name="Picture 1"/>
+          <p:cNvPicPr>
+            <a:picLocks noChangeAspect="1"/>
+          </p:cNvPicPr>
+          <p:nvPr/>
+        </p:nvPicPr>
+        <p:blipFill>
+          <a:blip r:embed="rId2">
+            <a:extLst>
+              <a:ext uri="{28A0092B-C50C-407E-A947-70E740481C1C}">
+                <a14:useLocalDpi xmlns:a14="http://schemas.microsoft.com/office/drawing/2010/main" val="0"/>
+              </a:ext>
+            </a:extLst>
+          </a:blip>
+          <a:stretch>
+            <a:fillRect/>
+          </a:stretch>
+        </p:blipFill>
+        <p:spPr>
+          <a:xfrm>
+            <a:off x="2524125" y="1690688"/>
+            <a:ext cx="7143750" cy="3962400"/>
+          </a:xfrm>
+          <a:prstGeom prst="rect">
+            <a:avLst/>
+          </a:prstGeom>
+        </p:spPr>
+      </p:pic>
     </p:spTree>
     <p:extLst>
       <p:ext uri="{BB962C8B-B14F-4D97-AF65-F5344CB8AC3E}">
@@ -4132,6 +4385,36 @@
           </a:p>
         </p:txBody>
       </p:sp>
+      <p:pic>
+        <p:nvPicPr>
+          <p:cNvPr id="2" name="Picture 1"/>
+          <p:cNvPicPr>
+            <a:picLocks noChangeAspect="1"/>
+          </p:cNvPicPr>
+          <p:nvPr/>
+        </p:nvPicPr>
+        <p:blipFill>
+          <a:blip r:embed="rId2">
+            <a:extLst>
+              <a:ext uri="{28A0092B-C50C-407E-A947-70E740481C1C}">
+                <a14:useLocalDpi xmlns:a14="http://schemas.microsoft.com/office/drawing/2010/main" val="0"/>
+              </a:ext>
+            </a:extLst>
+          </a:blip>
+          <a:stretch>
+            <a:fillRect/>
+          </a:stretch>
+        </p:blipFill>
+        <p:spPr>
+          <a:xfrm>
+            <a:off x="3290887" y="1690688"/>
+            <a:ext cx="5610225" cy="4791075"/>
+          </a:xfrm>
+          <a:prstGeom prst="rect">
+            <a:avLst/>
+          </a:prstGeom>
+        </p:spPr>
+      </p:pic>
     </p:spTree>
     <p:extLst>
       <p:ext uri="{BB962C8B-B14F-4D97-AF65-F5344CB8AC3E}">
@@ -4200,6 +4483,36 @@
           </a:p>
         </p:txBody>
       </p:sp>
+      <p:pic>
+        <p:nvPicPr>
+          <p:cNvPr id="2" name="Picture 1"/>
+          <p:cNvPicPr>
+            <a:picLocks noChangeAspect="1"/>
+          </p:cNvPicPr>
+          <p:nvPr/>
+        </p:nvPicPr>
+        <p:blipFill>
+          <a:blip r:embed="rId2" cstate="print">
+            <a:extLst>
+              <a:ext uri="{28A0092B-C50C-407E-A947-70E740481C1C}">
+                <a14:useLocalDpi xmlns:a14="http://schemas.microsoft.com/office/drawing/2010/main" val="0"/>
+              </a:ext>
+            </a:extLst>
+          </a:blip>
+          <a:stretch>
+            <a:fillRect/>
+          </a:stretch>
+        </p:blipFill>
+        <p:spPr>
+          <a:xfrm>
+            <a:off x="3700462" y="1690688"/>
+            <a:ext cx="4791075" cy="4791075"/>
+          </a:xfrm>
+          <a:prstGeom prst="rect">
+            <a:avLst/>
+          </a:prstGeom>
+        </p:spPr>
+      </p:pic>
     </p:spTree>
     <p:extLst>
       <p:ext uri="{BB962C8B-B14F-4D97-AF65-F5344CB8AC3E}">
@@ -4268,6 +4581,36 @@
           </a:p>
         </p:txBody>
       </p:sp>
+      <p:pic>
+        <p:nvPicPr>
+          <p:cNvPr id="2" name="Picture 1"/>
+          <p:cNvPicPr>
+            <a:picLocks noChangeAspect="1"/>
+          </p:cNvPicPr>
+          <p:nvPr/>
+        </p:nvPicPr>
+        <p:blipFill>
+          <a:blip r:embed="rId2">
+            <a:extLst>
+              <a:ext uri="{28A0092B-C50C-407E-A947-70E740481C1C}">
+                <a14:useLocalDpi xmlns:a14="http://schemas.microsoft.com/office/drawing/2010/main" val="0"/>
+              </a:ext>
+            </a:extLst>
+          </a:blip>
+          <a:stretch>
+            <a:fillRect/>
+          </a:stretch>
+        </p:blipFill>
+        <p:spPr>
+          <a:xfrm>
+            <a:off x="2438400" y="1690688"/>
+            <a:ext cx="7315200" cy="4876800"/>
+          </a:xfrm>
+          <a:prstGeom prst="rect">
+            <a:avLst/>
+          </a:prstGeom>
+        </p:spPr>
+      </p:pic>
     </p:spTree>
     <p:extLst>
       <p:ext uri="{BB962C8B-B14F-4D97-AF65-F5344CB8AC3E}">
@@ -4336,6 +4679,180 @@
           </a:p>
         </p:txBody>
       </p:sp>
+      <p:pic>
+        <p:nvPicPr>
+          <p:cNvPr id="2" name="Picture 1"/>
+          <p:cNvPicPr>
+            <a:picLocks noChangeAspect="1"/>
+          </p:cNvPicPr>
+          <p:nvPr/>
+        </p:nvPicPr>
+        <p:blipFill>
+          <a:blip r:embed="rId2">
+            <a:extLst>
+              <a:ext uri="{28A0092B-C50C-407E-A947-70E740481C1C}">
+                <a14:useLocalDpi xmlns:a14="http://schemas.microsoft.com/office/drawing/2010/main" val="0"/>
+              </a:ext>
+            </a:extLst>
+          </a:blip>
+          <a:stretch>
+            <a:fillRect/>
+          </a:stretch>
+        </p:blipFill>
+        <p:spPr>
+          <a:xfrm>
+            <a:off x="838200" y="2376486"/>
+            <a:ext cx="4816723" cy="2538413"/>
+          </a:xfrm>
+          <a:prstGeom prst="rect">
+            <a:avLst/>
+          </a:prstGeom>
+        </p:spPr>
+      </p:pic>
+      <p:pic>
+        <p:nvPicPr>
+          <p:cNvPr id="3" name="Picture 2"/>
+          <p:cNvPicPr>
+            <a:picLocks noChangeAspect="1"/>
+          </p:cNvPicPr>
+          <p:nvPr/>
+        </p:nvPicPr>
+        <p:blipFill>
+          <a:blip r:embed="rId3">
+            <a:extLst>
+              <a:ext uri="{28A0092B-C50C-407E-A947-70E740481C1C}">
+                <a14:useLocalDpi xmlns:a14="http://schemas.microsoft.com/office/drawing/2010/main" val="0"/>
+              </a:ext>
+            </a:extLst>
+          </a:blip>
+          <a:stretch>
+            <a:fillRect/>
+          </a:stretch>
+        </p:blipFill>
+        <p:spPr>
+          <a:xfrm>
+            <a:off x="6537077" y="2290130"/>
+            <a:ext cx="4816723" cy="2711127"/>
+          </a:xfrm>
+          <a:prstGeom prst="rect">
+            <a:avLst/>
+          </a:prstGeom>
+        </p:spPr>
+      </p:pic>
+      <p:sp>
+        <p:nvSpPr>
+          <p:cNvPr id="4" name="TextBox 3"/>
+          <p:cNvSpPr txBox="1"/>
+          <p:nvPr/>
+        </p:nvSpPr>
+        <p:spPr>
+          <a:xfrm>
+            <a:off x="2222883" y="5001257"/>
+            <a:ext cx="2047355" cy="461665"/>
+          </a:xfrm>
+          <a:prstGeom prst="rect">
+            <a:avLst/>
+          </a:prstGeom>
+          <a:noFill/>
+        </p:spPr>
+        <p:txBody>
+          <a:bodyPr wrap="none" rtlCol="0">
+            <a:spAutoFit/>
+          </a:bodyPr>
+          <a:lstStyle/>
+          <a:p>
+            <a:r>
+              <a:rPr lang="en-US" sz="2400" dirty="0" err="1" smtClean="0">
+                <a:latin typeface="Times New Roman" panose="02020603050405020304" pitchFamily="18" charset="0"/>
+                <a:cs typeface="Times New Roman" panose="02020603050405020304" pitchFamily="18" charset="0"/>
+              </a:rPr>
+              <a:t>Cảm</a:t>
+            </a:r>
+            <a:r>
+              <a:rPr lang="en-US" sz="2400" dirty="0" smtClean="0">
+                <a:latin typeface="Times New Roman" panose="02020603050405020304" pitchFamily="18" charset="0"/>
+                <a:cs typeface="Times New Roman" panose="02020603050405020304" pitchFamily="18" charset="0"/>
+              </a:rPr>
+              <a:t> </a:t>
+            </a:r>
+            <a:r>
+              <a:rPr lang="en-US" sz="2400" dirty="0" err="1" smtClean="0">
+                <a:latin typeface="Times New Roman" panose="02020603050405020304" pitchFamily="18" charset="0"/>
+                <a:cs typeface="Times New Roman" panose="02020603050405020304" pitchFamily="18" charset="0"/>
+              </a:rPr>
+              <a:t>biến</a:t>
+            </a:r>
+            <a:r>
+              <a:rPr lang="en-US" sz="2400" dirty="0" smtClean="0">
+                <a:latin typeface="Times New Roman" panose="02020603050405020304" pitchFamily="18" charset="0"/>
+                <a:cs typeface="Times New Roman" panose="02020603050405020304" pitchFamily="18" charset="0"/>
+              </a:rPr>
+              <a:t> ORP</a:t>
+            </a:r>
+            <a:endParaRPr lang="en-US" sz="2400" dirty="0">
+              <a:latin typeface="Times New Roman" panose="02020603050405020304" pitchFamily="18" charset="0"/>
+              <a:cs typeface="Times New Roman" panose="02020603050405020304" pitchFamily="18" charset="0"/>
+            </a:endParaRPr>
+          </a:p>
+        </p:txBody>
+      </p:sp>
+      <p:sp>
+        <p:nvSpPr>
+          <p:cNvPr id="5" name="TextBox 4"/>
+          <p:cNvSpPr txBox="1"/>
+          <p:nvPr/>
+        </p:nvSpPr>
+        <p:spPr>
+          <a:xfrm>
+            <a:off x="8033169" y="5001256"/>
+            <a:ext cx="1824538" cy="461665"/>
+          </a:xfrm>
+          <a:prstGeom prst="rect">
+            <a:avLst/>
+          </a:prstGeom>
+          <a:noFill/>
+        </p:spPr>
+        <p:txBody>
+          <a:bodyPr wrap="none" rtlCol="0">
+            <a:spAutoFit/>
+          </a:bodyPr>
+          <a:lstStyle/>
+          <a:p>
+            <a:r>
+              <a:rPr lang="en-US" sz="2400" dirty="0" err="1" smtClean="0">
+                <a:latin typeface="Times New Roman" panose="02020603050405020304" pitchFamily="18" charset="0"/>
+                <a:cs typeface="Times New Roman" panose="02020603050405020304" pitchFamily="18" charset="0"/>
+              </a:rPr>
+              <a:t>Cảm</a:t>
+            </a:r>
+            <a:r>
+              <a:rPr lang="en-US" sz="2400" dirty="0" smtClean="0">
+                <a:latin typeface="Times New Roman" panose="02020603050405020304" pitchFamily="18" charset="0"/>
+                <a:cs typeface="Times New Roman" panose="02020603050405020304" pitchFamily="18" charset="0"/>
+              </a:rPr>
+              <a:t> </a:t>
+            </a:r>
+            <a:r>
+              <a:rPr lang="en-US" sz="2400" dirty="0" err="1" smtClean="0">
+                <a:latin typeface="Times New Roman" panose="02020603050405020304" pitchFamily="18" charset="0"/>
+                <a:cs typeface="Times New Roman" panose="02020603050405020304" pitchFamily="18" charset="0"/>
+              </a:rPr>
+              <a:t>biến</a:t>
+            </a:r>
+            <a:r>
+              <a:rPr lang="en-US" sz="2400" dirty="0" smtClean="0">
+                <a:latin typeface="Times New Roman" panose="02020603050405020304" pitchFamily="18" charset="0"/>
+                <a:cs typeface="Times New Roman" panose="02020603050405020304" pitchFamily="18" charset="0"/>
+              </a:rPr>
+              <a:t> pH</a:t>
+            </a:r>
+            <a:endParaRPr lang="en-US" sz="2400" dirty="0">
+              <a:latin typeface="Times New Roman" panose="02020603050405020304" pitchFamily="18" charset="0"/>
+              <a:cs typeface="Times New Roman" panose="02020603050405020304" pitchFamily="18" charset="0"/>
+            </a:endParaRPr>
+          </a:p>
+        </p:txBody>
+      </p:sp>
     </p:spTree>
     <p:extLst>
       <p:ext uri="{BB962C8B-B14F-4D97-AF65-F5344CB8AC3E}">
@@ -4489,6 +5006,36 @@
           </a:p>
         </p:txBody>
       </p:sp>
+      <p:pic>
+        <p:nvPicPr>
+          <p:cNvPr id="2" name="Picture 1"/>
+          <p:cNvPicPr>
+            <a:picLocks noChangeAspect="1"/>
+          </p:cNvPicPr>
+          <p:nvPr/>
+        </p:nvPicPr>
+        <p:blipFill>
+          <a:blip r:embed="rId2">
+            <a:extLst>
+              <a:ext uri="{28A0092B-C50C-407E-A947-70E740481C1C}">
+                <a14:useLocalDpi xmlns:a14="http://schemas.microsoft.com/office/drawing/2010/main" val="0"/>
+              </a:ext>
+            </a:extLst>
+          </a:blip>
+          <a:stretch>
+            <a:fillRect/>
+          </a:stretch>
+        </p:blipFill>
+        <p:spPr>
+          <a:xfrm>
+            <a:off x="1066800" y="1690688"/>
+            <a:ext cx="10058400" cy="3904573"/>
+          </a:xfrm>
+          <a:prstGeom prst="rect">
+            <a:avLst/>
+          </a:prstGeom>
+        </p:spPr>
+      </p:pic>
     </p:spTree>
     <p:extLst>
       <p:ext uri="{BB962C8B-B14F-4D97-AF65-F5344CB8AC3E}">
@@ -4499,6 +5046,81 @@
   <p:clrMapOvr>
     <a:masterClrMapping/>
   </p:clrMapOvr>
+  <p:timing>
+    <p:tnLst>
+      <p:par>
+        <p:cTn id="1" dur="indefinite" restart="never" nodeType="tmRoot"/>
+      </p:par>
+    </p:tnLst>
+  </p:timing>
+</p:sld>
+</file>
+
+<file path=ppt/slides/slide18.xml><?xml version="1.0" encoding="utf-8"?>
+<p:sld xmlns:a="http://schemas.openxmlformats.org/drawingml/2006/main" xmlns:r="http://schemas.openxmlformats.org/officeDocument/2006/relationships" xmlns:p="http://schemas.openxmlformats.org/presentationml/2006/main">
+  <p:cSld>
+    <p:spTree>
+      <p:nvGrpSpPr>
+        <p:cNvPr id="1" name=""/>
+        <p:cNvGrpSpPr/>
+        <p:nvPr/>
+      </p:nvGrpSpPr>
+      <p:grpSpPr>
+        <a:xfrm>
+          <a:off x="0" y="0"/>
+          <a:ext cx="0" cy="0"/>
+          <a:chOff x="0" y="0"/>
+          <a:chExt cx="0" cy="0"/>
+        </a:xfrm>
+      </p:grpSpPr>
+      <p:sp>
+        <p:nvSpPr>
+          <p:cNvPr id="2" name="Title 1"/>
+          <p:cNvSpPr>
+            <a:spLocks noGrp="1"/>
+          </p:cNvSpPr>
+          <p:nvPr>
+            <p:ph type="title"/>
+          </p:nvPr>
+        </p:nvSpPr>
+        <p:spPr/>
+        <p:txBody>
+          <a:bodyPr>
+            <a:normAutofit/>
+          </a:bodyPr>
+          <a:lstStyle/>
+          <a:p>
+            <a:r>
+              <a:rPr lang="en-US" sz="3200" dirty="0" smtClean="0">
+                <a:latin typeface="Times New Roman" panose="02020603050405020304" pitchFamily="18" charset="0"/>
+                <a:cs typeface="Times New Roman" panose="02020603050405020304" pitchFamily="18" charset="0"/>
+              </a:rPr>
+              <a:t>HÌNH ẢNH PHẦN CỨNG CHẠY TRÊN MÔI TRƯỜNG THỰC TẾ</a:t>
+            </a:r>
+            <a:endParaRPr lang="en-US" sz="3200" dirty="0">
+              <a:latin typeface="Times New Roman" panose="02020603050405020304" pitchFamily="18" charset="0"/>
+              <a:cs typeface="Times New Roman" panose="02020603050405020304" pitchFamily="18" charset="0"/>
+            </a:endParaRPr>
+          </a:p>
+        </p:txBody>
+      </p:sp>
+    </p:spTree>
+    <p:extLst>
+      <p:ext uri="{BB962C8B-B14F-4D97-AF65-F5344CB8AC3E}">
+        <p14:creationId xmlns:p14="http://schemas.microsoft.com/office/powerpoint/2010/main" val="4005467048"/>
+      </p:ext>
+    </p:extLst>
+  </p:cSld>
+  <p:clrMapOvr>
+    <a:masterClrMapping/>
+  </p:clrMapOvr>
+  <p:timing>
+    <p:tnLst>
+      <p:par>
+        <p:cTn id="1" dur="indefinite" restart="never" nodeType="tmRoot"/>
+      </p:par>
+    </p:tnLst>
+  </p:timing>
 </p:sld>
 </file>
 
@@ -4535,35 +5157,428 @@
           <a:lstStyle/>
           <a:p>
             <a:r>
+              <a:rPr lang="en-US" b="1" dirty="0" smtClean="0">
+                <a:latin typeface="Times New Roman" panose="02020603050405020304" pitchFamily="18" charset="0"/>
+                <a:cs typeface="Times New Roman" panose="02020603050405020304" pitchFamily="18" charset="0"/>
+              </a:rPr>
+              <a:t>TỔNG QUAN</a:t>
+            </a:r>
+            <a:endParaRPr lang="en-US" b="1" dirty="0">
+              <a:latin typeface="Times New Roman" panose="02020603050405020304" pitchFamily="18" charset="0"/>
+              <a:cs typeface="Times New Roman" panose="02020603050405020304" pitchFamily="18" charset="0"/>
+            </a:endParaRPr>
+          </a:p>
+        </p:txBody>
+      </p:sp>
+      <p:sp>
+        <p:nvSpPr>
+          <p:cNvPr id="6" name="Text Placeholder 5"/>
+          <p:cNvSpPr>
+            <a:spLocks noGrp="1"/>
+          </p:cNvSpPr>
+          <p:nvPr>
+            <p:ph type="body" idx="1"/>
+          </p:nvPr>
+        </p:nvSpPr>
+        <p:spPr>
+          <a:xfrm>
+            <a:off x="831850" y="4589463"/>
+            <a:ext cx="10515600" cy="2268537"/>
+          </a:xfrm>
+        </p:spPr>
+        <p:txBody>
+          <a:bodyPr>
+            <a:normAutofit/>
+          </a:bodyPr>
+          <a:lstStyle/>
+          <a:p>
+            <a:pPr marL="342900" indent="-342900">
+              <a:buFont typeface="Wingdings" panose="05000000000000000000" pitchFamily="2" charset="2"/>
+              <a:buChar char="Ø"/>
+            </a:pPr>
+            <a:r>
+              <a:rPr lang="en-US" dirty="0" err="1" smtClean="0">
+                <a:latin typeface="Times New Roman" panose="02020603050405020304" pitchFamily="18" charset="0"/>
+                <a:cs typeface="Times New Roman" panose="02020603050405020304" pitchFamily="18" charset="0"/>
+              </a:rPr>
+              <a:t>Hiện</a:t>
+            </a:r>
+            <a:r>
               <a:rPr lang="en-US" dirty="0" smtClean="0">
                 <a:latin typeface="Times New Roman" panose="02020603050405020304" pitchFamily="18" charset="0"/>
                 <a:cs typeface="Times New Roman" panose="02020603050405020304" pitchFamily="18" charset="0"/>
               </a:rPr>
-              <a:t>TỔNG QUAN</a:t>
+              <a:t> </a:t>
+            </a:r>
+            <a:r>
+              <a:rPr lang="en-US" dirty="0" err="1" smtClean="0">
+                <a:latin typeface="Times New Roman" panose="02020603050405020304" pitchFamily="18" charset="0"/>
+                <a:cs typeface="Times New Roman" panose="02020603050405020304" pitchFamily="18" charset="0"/>
+              </a:rPr>
+              <a:t>trạng</a:t>
+            </a:r>
+            <a:r>
+              <a:rPr lang="en-US" dirty="0" smtClean="0">
+                <a:latin typeface="Times New Roman" panose="02020603050405020304" pitchFamily="18" charset="0"/>
+                <a:cs typeface="Times New Roman" panose="02020603050405020304" pitchFamily="18" charset="0"/>
+              </a:rPr>
+              <a:t> </a:t>
+            </a:r>
+            <a:r>
+              <a:rPr lang="en-US" dirty="0" err="1" smtClean="0">
+                <a:latin typeface="Times New Roman" panose="02020603050405020304" pitchFamily="18" charset="0"/>
+                <a:cs typeface="Times New Roman" panose="02020603050405020304" pitchFamily="18" charset="0"/>
+              </a:rPr>
+              <a:t>nông</a:t>
+            </a:r>
+            <a:r>
+              <a:rPr lang="en-US" dirty="0" smtClean="0">
+                <a:latin typeface="Times New Roman" panose="02020603050405020304" pitchFamily="18" charset="0"/>
+                <a:cs typeface="Times New Roman" panose="02020603050405020304" pitchFamily="18" charset="0"/>
+              </a:rPr>
+              <a:t> </a:t>
+            </a:r>
+            <a:r>
+              <a:rPr lang="en-US" dirty="0" err="1" smtClean="0">
+                <a:latin typeface="Times New Roman" panose="02020603050405020304" pitchFamily="18" charset="0"/>
+                <a:cs typeface="Times New Roman" panose="02020603050405020304" pitchFamily="18" charset="0"/>
+              </a:rPr>
+              <a:t>nghiệp</a:t>
+            </a:r>
+            <a:r>
+              <a:rPr lang="en-US" dirty="0" smtClean="0">
+                <a:latin typeface="Times New Roman" panose="02020603050405020304" pitchFamily="18" charset="0"/>
+                <a:cs typeface="Times New Roman" panose="02020603050405020304" pitchFamily="18" charset="0"/>
+              </a:rPr>
+              <a:t> </a:t>
+            </a:r>
+            <a:r>
+              <a:rPr lang="en-US" dirty="0" err="1" smtClean="0">
+                <a:latin typeface="Times New Roman" panose="02020603050405020304" pitchFamily="18" charset="0"/>
+                <a:cs typeface="Times New Roman" panose="02020603050405020304" pitchFamily="18" charset="0"/>
+              </a:rPr>
+              <a:t>Việt</a:t>
+            </a:r>
+            <a:r>
+              <a:rPr lang="en-US" dirty="0" smtClean="0">
+                <a:latin typeface="Times New Roman" panose="02020603050405020304" pitchFamily="18" charset="0"/>
+                <a:cs typeface="Times New Roman" panose="02020603050405020304" pitchFamily="18" charset="0"/>
+              </a:rPr>
+              <a:t> Nam</a:t>
+            </a:r>
+          </a:p>
+          <a:p>
+            <a:pPr marL="342900" indent="-342900">
+              <a:buFont typeface="Wingdings" panose="05000000000000000000" pitchFamily="2" charset="2"/>
+              <a:buChar char="Ø"/>
+            </a:pPr>
+            <a:r>
+              <a:rPr lang="en-US" dirty="0" err="1" smtClean="0">
+                <a:latin typeface="Times New Roman" panose="02020603050405020304" pitchFamily="18" charset="0"/>
+                <a:cs typeface="Times New Roman" panose="02020603050405020304" pitchFamily="18" charset="0"/>
+              </a:rPr>
+              <a:t>Nông</a:t>
+            </a:r>
+            <a:r>
+              <a:rPr lang="en-US" dirty="0" smtClean="0">
+                <a:latin typeface="Times New Roman" panose="02020603050405020304" pitchFamily="18" charset="0"/>
+                <a:cs typeface="Times New Roman" panose="02020603050405020304" pitchFamily="18" charset="0"/>
+              </a:rPr>
+              <a:t> </a:t>
+            </a:r>
+            <a:r>
+              <a:rPr lang="en-US" dirty="0" err="1" smtClean="0">
+                <a:latin typeface="Times New Roman" panose="02020603050405020304" pitchFamily="18" charset="0"/>
+                <a:cs typeface="Times New Roman" panose="02020603050405020304" pitchFamily="18" charset="0"/>
+              </a:rPr>
+              <a:t>nghiệp</a:t>
+            </a:r>
+            <a:r>
+              <a:rPr lang="en-US" dirty="0" smtClean="0">
+                <a:latin typeface="Times New Roman" panose="02020603050405020304" pitchFamily="18" charset="0"/>
+                <a:cs typeface="Times New Roman" panose="02020603050405020304" pitchFamily="18" charset="0"/>
+              </a:rPr>
+              <a:t> </a:t>
+            </a:r>
+            <a:r>
+              <a:rPr lang="en-US" dirty="0" err="1" smtClean="0">
+                <a:latin typeface="Times New Roman" panose="02020603050405020304" pitchFamily="18" charset="0"/>
+                <a:cs typeface="Times New Roman" panose="02020603050405020304" pitchFamily="18" charset="0"/>
+              </a:rPr>
+              <a:t>thông</a:t>
+            </a:r>
+            <a:r>
+              <a:rPr lang="en-US" dirty="0" smtClean="0">
+                <a:latin typeface="Times New Roman" panose="02020603050405020304" pitchFamily="18" charset="0"/>
+                <a:cs typeface="Times New Roman" panose="02020603050405020304" pitchFamily="18" charset="0"/>
+              </a:rPr>
+              <a:t> minh </a:t>
+            </a:r>
+            <a:r>
+              <a:rPr lang="en-US" dirty="0" err="1" smtClean="0">
+                <a:latin typeface="Times New Roman" panose="02020603050405020304" pitchFamily="18" charset="0"/>
+                <a:cs typeface="Times New Roman" panose="02020603050405020304" pitchFamily="18" charset="0"/>
+              </a:rPr>
+              <a:t>được</a:t>
+            </a:r>
+            <a:r>
+              <a:rPr lang="en-US" dirty="0" smtClean="0">
+                <a:latin typeface="Times New Roman" panose="02020603050405020304" pitchFamily="18" charset="0"/>
+                <a:cs typeface="Times New Roman" panose="02020603050405020304" pitchFamily="18" charset="0"/>
+              </a:rPr>
+              <a:t> </a:t>
+            </a:r>
+            <a:r>
+              <a:rPr lang="en-US" dirty="0" err="1" smtClean="0">
+                <a:latin typeface="Times New Roman" panose="02020603050405020304" pitchFamily="18" charset="0"/>
+                <a:cs typeface="Times New Roman" panose="02020603050405020304" pitchFamily="18" charset="0"/>
+              </a:rPr>
+              <a:t>áp</a:t>
+            </a:r>
+            <a:r>
+              <a:rPr lang="en-US" dirty="0" smtClean="0">
+                <a:latin typeface="Times New Roman" panose="02020603050405020304" pitchFamily="18" charset="0"/>
+                <a:cs typeface="Times New Roman" panose="02020603050405020304" pitchFamily="18" charset="0"/>
+              </a:rPr>
+              <a:t> </a:t>
+            </a:r>
+            <a:r>
+              <a:rPr lang="en-US" dirty="0" err="1" smtClean="0">
+                <a:latin typeface="Times New Roman" panose="02020603050405020304" pitchFamily="18" charset="0"/>
+                <a:cs typeface="Times New Roman" panose="02020603050405020304" pitchFamily="18" charset="0"/>
+              </a:rPr>
+              <a:t>dụng</a:t>
+            </a:r>
+            <a:r>
+              <a:rPr lang="en-US" dirty="0" smtClean="0">
+                <a:latin typeface="Times New Roman" panose="02020603050405020304" pitchFamily="18" charset="0"/>
+                <a:cs typeface="Times New Roman" panose="02020603050405020304" pitchFamily="18" charset="0"/>
+              </a:rPr>
+              <a:t> </a:t>
+            </a:r>
+            <a:r>
+              <a:rPr lang="en-US" dirty="0" err="1" smtClean="0">
+                <a:latin typeface="Times New Roman" panose="02020603050405020304" pitchFamily="18" charset="0"/>
+                <a:cs typeface="Times New Roman" panose="02020603050405020304" pitchFamily="18" charset="0"/>
+              </a:rPr>
+              <a:t>trên</a:t>
+            </a:r>
+            <a:r>
+              <a:rPr lang="en-US" dirty="0" smtClean="0">
+                <a:latin typeface="Times New Roman" panose="02020603050405020304" pitchFamily="18" charset="0"/>
+                <a:cs typeface="Times New Roman" panose="02020603050405020304" pitchFamily="18" charset="0"/>
+              </a:rPr>
+              <a:t> </a:t>
+            </a:r>
+            <a:r>
+              <a:rPr lang="en-US" dirty="0" err="1" smtClean="0">
+                <a:latin typeface="Times New Roman" panose="02020603050405020304" pitchFamily="18" charset="0"/>
+                <a:cs typeface="Times New Roman" panose="02020603050405020304" pitchFamily="18" charset="0"/>
+              </a:rPr>
+              <a:t>thế</a:t>
+            </a:r>
+            <a:r>
+              <a:rPr lang="en-US" dirty="0" smtClean="0">
+                <a:latin typeface="Times New Roman" panose="02020603050405020304" pitchFamily="18" charset="0"/>
+                <a:cs typeface="Times New Roman" panose="02020603050405020304" pitchFamily="18" charset="0"/>
+              </a:rPr>
+              <a:t> </a:t>
+            </a:r>
+            <a:r>
+              <a:rPr lang="en-US" dirty="0" err="1" smtClean="0">
+                <a:latin typeface="Times New Roman" panose="02020603050405020304" pitchFamily="18" charset="0"/>
+                <a:cs typeface="Times New Roman" panose="02020603050405020304" pitchFamily="18" charset="0"/>
+              </a:rPr>
+              <a:t>giới</a:t>
+            </a:r>
+            <a:endParaRPr lang="en-US" dirty="0" smtClean="0">
+              <a:latin typeface="Times New Roman" panose="02020603050405020304" pitchFamily="18" charset="0"/>
+              <a:cs typeface="Times New Roman" panose="02020603050405020304" pitchFamily="18" charset="0"/>
+            </a:endParaRPr>
+          </a:p>
+          <a:p>
+            <a:pPr marL="342900" indent="-342900">
+              <a:buFont typeface="Wingdings" panose="05000000000000000000" pitchFamily="2" charset="2"/>
+              <a:buChar char="Ø"/>
+            </a:pPr>
+            <a:r>
+              <a:rPr lang="en-US" dirty="0" err="1" smtClean="0">
+                <a:latin typeface="Times New Roman" panose="02020603050405020304" pitchFamily="18" charset="0"/>
+                <a:cs typeface="Times New Roman" panose="02020603050405020304" pitchFamily="18" charset="0"/>
+              </a:rPr>
+              <a:t>Nông</a:t>
+            </a:r>
+            <a:r>
+              <a:rPr lang="en-US" dirty="0" smtClean="0">
+                <a:latin typeface="Times New Roman" panose="02020603050405020304" pitchFamily="18" charset="0"/>
+                <a:cs typeface="Times New Roman" panose="02020603050405020304" pitchFamily="18" charset="0"/>
+              </a:rPr>
+              <a:t> </a:t>
+            </a:r>
+            <a:r>
+              <a:rPr lang="en-US" dirty="0" err="1" smtClean="0">
+                <a:latin typeface="Times New Roman" panose="02020603050405020304" pitchFamily="18" charset="0"/>
+                <a:cs typeface="Times New Roman" panose="02020603050405020304" pitchFamily="18" charset="0"/>
+              </a:rPr>
+              <a:t>nghiệp</a:t>
+            </a:r>
+            <a:r>
+              <a:rPr lang="en-US" dirty="0" smtClean="0">
+                <a:latin typeface="Times New Roman" panose="02020603050405020304" pitchFamily="18" charset="0"/>
+                <a:cs typeface="Times New Roman" panose="02020603050405020304" pitchFamily="18" charset="0"/>
+              </a:rPr>
+              <a:t> </a:t>
+            </a:r>
+            <a:r>
+              <a:rPr lang="en-US" dirty="0" err="1" smtClean="0">
+                <a:latin typeface="Times New Roman" panose="02020603050405020304" pitchFamily="18" charset="0"/>
+                <a:cs typeface="Times New Roman" panose="02020603050405020304" pitchFamily="18" charset="0"/>
+              </a:rPr>
+              <a:t>Việt</a:t>
+            </a:r>
+            <a:r>
+              <a:rPr lang="en-US" dirty="0" smtClean="0">
+                <a:latin typeface="Times New Roman" panose="02020603050405020304" pitchFamily="18" charset="0"/>
+                <a:cs typeface="Times New Roman" panose="02020603050405020304" pitchFamily="18" charset="0"/>
+              </a:rPr>
+              <a:t> Nam 10 </a:t>
+            </a:r>
+            <a:r>
+              <a:rPr lang="en-US" dirty="0" err="1" smtClean="0">
+                <a:latin typeface="Times New Roman" panose="02020603050405020304" pitchFamily="18" charset="0"/>
+                <a:cs typeface="Times New Roman" panose="02020603050405020304" pitchFamily="18" charset="0"/>
+              </a:rPr>
+              <a:t>năm</a:t>
+            </a:r>
+            <a:r>
+              <a:rPr lang="en-US" dirty="0" smtClean="0">
+                <a:latin typeface="Times New Roman" panose="02020603050405020304" pitchFamily="18" charset="0"/>
+                <a:cs typeface="Times New Roman" panose="02020603050405020304" pitchFamily="18" charset="0"/>
+              </a:rPr>
+              <a:t> </a:t>
+            </a:r>
+            <a:r>
+              <a:rPr lang="en-US" dirty="0" err="1" smtClean="0">
+                <a:latin typeface="Times New Roman" panose="02020603050405020304" pitchFamily="18" charset="0"/>
+                <a:cs typeface="Times New Roman" panose="02020603050405020304" pitchFamily="18" charset="0"/>
+              </a:rPr>
+              <a:t>trở</a:t>
+            </a:r>
+            <a:r>
+              <a:rPr lang="en-US" dirty="0" smtClean="0">
+                <a:latin typeface="Times New Roman" panose="02020603050405020304" pitchFamily="18" charset="0"/>
+                <a:cs typeface="Times New Roman" panose="02020603050405020304" pitchFamily="18" charset="0"/>
+              </a:rPr>
+              <a:t> </a:t>
+            </a:r>
+            <a:r>
+              <a:rPr lang="en-US" dirty="0" err="1" smtClean="0">
+                <a:latin typeface="Times New Roman" panose="02020603050405020304" pitchFamily="18" charset="0"/>
+                <a:cs typeface="Times New Roman" panose="02020603050405020304" pitchFamily="18" charset="0"/>
+              </a:rPr>
+              <a:t>lại</a:t>
+            </a:r>
+            <a:r>
+              <a:rPr lang="en-US" dirty="0" smtClean="0">
+                <a:latin typeface="Times New Roman" panose="02020603050405020304" pitchFamily="18" charset="0"/>
+                <a:cs typeface="Times New Roman" panose="02020603050405020304" pitchFamily="18" charset="0"/>
+              </a:rPr>
+              <a:t> </a:t>
+            </a:r>
+            <a:r>
+              <a:rPr lang="en-US" dirty="0" err="1" smtClean="0">
+                <a:latin typeface="Times New Roman" panose="02020603050405020304" pitchFamily="18" charset="0"/>
+                <a:cs typeface="Times New Roman" panose="02020603050405020304" pitchFamily="18" charset="0"/>
+              </a:rPr>
+              <a:t>đây</a:t>
+            </a:r>
+            <a:endParaRPr lang="en-US" dirty="0" smtClean="0">
+              <a:latin typeface="Times New Roman" panose="02020603050405020304" pitchFamily="18" charset="0"/>
+              <a:cs typeface="Times New Roman" panose="02020603050405020304" pitchFamily="18" charset="0"/>
+            </a:endParaRPr>
+          </a:p>
+          <a:p>
+            <a:pPr marL="342900" indent="-342900">
+              <a:buFont typeface="Wingdings" panose="05000000000000000000" pitchFamily="2" charset="2"/>
+              <a:buChar char="Ø"/>
+            </a:pPr>
+            <a:r>
+              <a:rPr lang="en-US" dirty="0" err="1" smtClean="0">
+                <a:latin typeface="Times New Roman" panose="02020603050405020304" pitchFamily="18" charset="0"/>
+                <a:cs typeface="Times New Roman" panose="02020603050405020304" pitchFamily="18" charset="0"/>
+              </a:rPr>
+              <a:t>Công</a:t>
+            </a:r>
+            <a:r>
+              <a:rPr lang="en-US" dirty="0" smtClean="0">
+                <a:latin typeface="Times New Roman" panose="02020603050405020304" pitchFamily="18" charset="0"/>
+                <a:cs typeface="Times New Roman" panose="02020603050405020304" pitchFamily="18" charset="0"/>
+              </a:rPr>
+              <a:t> </a:t>
+            </a:r>
+            <a:r>
+              <a:rPr lang="en-US" dirty="0" err="1" smtClean="0">
+                <a:latin typeface="Times New Roman" panose="02020603050405020304" pitchFamily="18" charset="0"/>
+                <a:cs typeface="Times New Roman" panose="02020603050405020304" pitchFamily="18" charset="0"/>
+              </a:rPr>
+              <a:t>nghệ</a:t>
+            </a:r>
+            <a:r>
+              <a:rPr lang="en-US" dirty="0" smtClean="0">
+                <a:latin typeface="Times New Roman" panose="02020603050405020304" pitchFamily="18" charset="0"/>
+                <a:cs typeface="Times New Roman" panose="02020603050405020304" pitchFamily="18" charset="0"/>
+              </a:rPr>
+              <a:t> </a:t>
+            </a:r>
+            <a:r>
+              <a:rPr lang="en-US" dirty="0" err="1" smtClean="0">
+                <a:latin typeface="Times New Roman" panose="02020603050405020304" pitchFamily="18" charset="0"/>
+                <a:cs typeface="Times New Roman" panose="02020603050405020304" pitchFamily="18" charset="0"/>
+              </a:rPr>
+              <a:t>LoRa</a:t>
+            </a:r>
+            <a:endParaRPr lang="en-US" dirty="0" smtClean="0">
+              <a:latin typeface="Times New Roman" panose="02020603050405020304" pitchFamily="18" charset="0"/>
+              <a:cs typeface="Times New Roman" panose="02020603050405020304" pitchFamily="18" charset="0"/>
+            </a:endParaRPr>
+          </a:p>
+          <a:p>
+            <a:pPr marL="342900" indent="-342900">
+              <a:buFont typeface="Wingdings" panose="05000000000000000000" pitchFamily="2" charset="2"/>
+              <a:buChar char="Ø"/>
+            </a:pPr>
+            <a:r>
+              <a:rPr lang="en-US" dirty="0" err="1" smtClean="0">
+                <a:latin typeface="Times New Roman" panose="02020603050405020304" pitchFamily="18" charset="0"/>
+                <a:cs typeface="Times New Roman" panose="02020603050405020304" pitchFamily="18" charset="0"/>
+              </a:rPr>
+              <a:t>Giao</a:t>
+            </a:r>
+            <a:r>
+              <a:rPr lang="en-US" dirty="0" smtClean="0">
+                <a:latin typeface="Times New Roman" panose="02020603050405020304" pitchFamily="18" charset="0"/>
+                <a:cs typeface="Times New Roman" panose="02020603050405020304" pitchFamily="18" charset="0"/>
+              </a:rPr>
+              <a:t> </a:t>
+            </a:r>
+            <a:r>
+              <a:rPr lang="en-US" dirty="0" err="1" smtClean="0">
+                <a:latin typeface="Times New Roman" panose="02020603050405020304" pitchFamily="18" charset="0"/>
+                <a:cs typeface="Times New Roman" panose="02020603050405020304" pitchFamily="18" charset="0"/>
+              </a:rPr>
+              <a:t>thức</a:t>
+            </a:r>
+            <a:r>
+              <a:rPr lang="en-US" dirty="0" smtClean="0">
+                <a:latin typeface="Times New Roman" panose="02020603050405020304" pitchFamily="18" charset="0"/>
+                <a:cs typeface="Times New Roman" panose="02020603050405020304" pitchFamily="18" charset="0"/>
+              </a:rPr>
+              <a:t> MQTT</a:t>
             </a:r>
             <a:endParaRPr lang="en-US" dirty="0">
               <a:latin typeface="Times New Roman" panose="02020603050405020304" pitchFamily="18" charset="0"/>
               <a:cs typeface="Times New Roman" panose="02020603050405020304" pitchFamily="18" charset="0"/>
             </a:endParaRPr>
-          </a:p>
-        </p:txBody>
-      </p:sp>
-      <p:sp>
-        <p:nvSpPr>
-          <p:cNvPr id="6" name="Text Placeholder 5"/>
-          <p:cNvSpPr>
-            <a:spLocks noGrp="1"/>
-          </p:cNvSpPr>
-          <p:nvPr>
-            <p:ph type="body" idx="1"/>
-          </p:nvPr>
-        </p:nvSpPr>
-        <p:spPr/>
-        <p:txBody>
-          <a:bodyPr/>
-          <a:lstStyle/>
-          <a:p>
-            <a:endParaRPr lang="en-US"/>
           </a:p>
         </p:txBody>
       </p:sp>
@@ -5078,12 +6093,90 @@
             <p:ph type="body" idx="1"/>
           </p:nvPr>
         </p:nvSpPr>
-        <p:spPr/>
+        <p:spPr>
+          <a:xfrm>
+            <a:off x="831850" y="4589463"/>
+            <a:ext cx="10515600" cy="2268537"/>
+          </a:xfrm>
+        </p:spPr>
         <p:txBody>
           <a:bodyPr/>
           <a:lstStyle/>
           <a:p>
-            <a:endParaRPr lang="en-US"/>
+            <a:pPr marL="342900" indent="-342900">
+              <a:buFont typeface="Wingdings" panose="05000000000000000000" pitchFamily="2" charset="2"/>
+              <a:buChar char="Ø"/>
+            </a:pPr>
+            <a:r>
+              <a:rPr lang="en-US" dirty="0" smtClean="0">
+                <a:latin typeface="Times New Roman" panose="02020603050405020304" pitchFamily="18" charset="0"/>
+                <a:cs typeface="Times New Roman" panose="02020603050405020304" pitchFamily="18" charset="0"/>
+              </a:rPr>
+              <a:t>Arduino Nano</a:t>
+            </a:r>
+          </a:p>
+          <a:p>
+            <a:pPr marL="342900" indent="-342900">
+              <a:buFont typeface="Wingdings" panose="05000000000000000000" pitchFamily="2" charset="2"/>
+              <a:buChar char="Ø"/>
+            </a:pPr>
+            <a:r>
+              <a:rPr lang="en-US" dirty="0" smtClean="0">
+                <a:latin typeface="Times New Roman" panose="02020603050405020304" pitchFamily="18" charset="0"/>
+                <a:cs typeface="Times New Roman" panose="02020603050405020304" pitchFamily="18" charset="0"/>
+              </a:rPr>
+              <a:t>Raspberry Pi 3 model B+</a:t>
+            </a:r>
+          </a:p>
+          <a:p>
+            <a:pPr marL="342900" indent="-342900">
+              <a:buFont typeface="Wingdings" panose="05000000000000000000" pitchFamily="2" charset="2"/>
+              <a:buChar char="Ø"/>
+            </a:pPr>
+            <a:r>
+              <a:rPr lang="en-US" dirty="0">
+                <a:latin typeface="Times New Roman" panose="02020603050405020304" pitchFamily="18" charset="0"/>
+                <a:cs typeface="Times New Roman" panose="02020603050405020304" pitchFamily="18" charset="0"/>
+              </a:rPr>
+              <a:t>RF UART </a:t>
+            </a:r>
+            <a:r>
+              <a:rPr lang="en-US" dirty="0" smtClean="0">
+                <a:latin typeface="Times New Roman" panose="02020603050405020304" pitchFamily="18" charset="0"/>
+                <a:cs typeface="Times New Roman" panose="02020603050405020304" pitchFamily="18" charset="0"/>
+              </a:rPr>
+              <a:t>E32-TTL-100</a:t>
+            </a:r>
+          </a:p>
+          <a:p>
+            <a:pPr marL="342900" indent="-342900">
+              <a:buFont typeface="Wingdings" panose="05000000000000000000" pitchFamily="2" charset="2"/>
+              <a:buChar char="Ø"/>
+            </a:pPr>
+            <a:r>
+              <a:rPr lang="en-US" dirty="0" smtClean="0">
+                <a:latin typeface="Times New Roman" panose="02020603050405020304" pitchFamily="18" charset="0"/>
+                <a:cs typeface="Times New Roman" panose="02020603050405020304" pitchFamily="18" charset="0"/>
+              </a:rPr>
+              <a:t>DHT 22</a:t>
+            </a:r>
+          </a:p>
+          <a:p>
+            <a:pPr marL="342900" indent="-342900">
+              <a:buFont typeface="Wingdings" panose="05000000000000000000" pitchFamily="2" charset="2"/>
+              <a:buChar char="Ø"/>
+            </a:pPr>
+            <a:r>
+              <a:rPr lang="en-US" dirty="0" smtClean="0">
+                <a:latin typeface="Times New Roman" panose="02020603050405020304" pitchFamily="18" charset="0"/>
+                <a:cs typeface="Times New Roman" panose="02020603050405020304" pitchFamily="18" charset="0"/>
+              </a:rPr>
+              <a:t>Relay</a:t>
+            </a:r>
+            <a:endParaRPr lang="en-US" dirty="0">
+              <a:latin typeface="Times New Roman" panose="02020603050405020304" pitchFamily="18" charset="0"/>
+              <a:cs typeface="Times New Roman" panose="02020603050405020304" pitchFamily="18" charset="0"/>
+            </a:endParaRPr>
           </a:p>
         </p:txBody>
       </p:sp>
@@ -5155,6 +6248,36 @@
           </a:p>
         </p:txBody>
       </p:sp>
+      <p:pic>
+        <p:nvPicPr>
+          <p:cNvPr id="2" name="Picture 1"/>
+          <p:cNvPicPr>
+            <a:picLocks noChangeAspect="1"/>
+          </p:cNvPicPr>
+          <p:nvPr/>
+        </p:nvPicPr>
+        <p:blipFill>
+          <a:blip r:embed="rId2" cstate="print">
+            <a:extLst>
+              <a:ext uri="{28A0092B-C50C-407E-A947-70E740481C1C}">
+                <a14:useLocalDpi xmlns:a14="http://schemas.microsoft.com/office/drawing/2010/main" val="0"/>
+              </a:ext>
+            </a:extLst>
+          </a:blip>
+          <a:stretch>
+            <a:fillRect/>
+          </a:stretch>
+        </p:blipFill>
+        <p:spPr>
+          <a:xfrm>
+            <a:off x="2569634" y="1690688"/>
+            <a:ext cx="7052732" cy="3967162"/>
+          </a:xfrm>
+          <a:prstGeom prst="rect">
+            <a:avLst/>
+          </a:prstGeom>
+        </p:spPr>
+      </p:pic>
     </p:spTree>
     <p:extLst>
       <p:ext uri="{BB962C8B-B14F-4D97-AF65-F5344CB8AC3E}">
@@ -5178,7 +6301,7 @@
 <file path=ppt/theme/theme1.xml><?xml version="1.0" encoding="utf-8"?>
 <a:theme xmlns:a="http://schemas.openxmlformats.org/drawingml/2006/main" name="Office Theme">
   <a:themeElements>
-    <a:clrScheme name="Office">
+    <a:clrScheme name="Office Theme">
       <a:dk1>
         <a:sysClr val="windowText" lastClr="000000"/>
       </a:dk1>
@@ -5216,7 +6339,7 @@
         <a:srgbClr val="954F72"/>
       </a:folHlink>
     </a:clrScheme>
-    <a:fontScheme name="Office">
+    <a:fontScheme name="Office Theme">
       <a:majorFont>
         <a:latin typeface="Calibri Light" panose="020F0302020204030204"/>
         <a:ea typeface=""/>
@@ -5288,7 +6411,7 @@
         <a:font script="Geor" typeface="Sylfaen"/>
       </a:minorFont>
     </a:fontScheme>
-    <a:fmtScheme name="Office">
+    <a:fmtScheme name="Office Theme">
       <a:fillStyleLst>
         <a:solidFill>
           <a:schemeClr val="phClr"/>
